--- a/lectures/bias-variance.pptx
+++ b/lectures/bias-variance.pptx
@@ -218,7 +218,7 @@
           <a:p>
             <a:fld id="{8A1B613A-EFF1-404F-BEE8-EFAE84A4E5E2}" type="datetimeFigureOut">
               <a:rPr lang="en-US" smtClean="0"/>
-              <a:t>2/4/21</a:t>
+              <a:t>10/10/21</a:t>
             </a:fld>
             <a:endParaRPr lang="en-US"/>
           </a:p>
@@ -383,7 +383,7 @@
           <a:p>
             <a:fld id="{690847EA-AC25-3D4E-89E1-FD3F6A9702B6}" type="datetimeFigureOut">
               <a:rPr lang="en-US" smtClean="0"/>
-              <a:t>2/4/21</a:t>
+              <a:t>10/10/21</a:t>
             </a:fld>
             <a:endParaRPr lang="en-US"/>
           </a:p>
@@ -797,7 +797,7 @@
           <a:p>
             <a:fld id="{BE5295ED-3BAF-1140-8495-3D368771D6B1}" type="datetimeFigureOut">
               <a:rPr lang="en-US" smtClean="0"/>
-              <a:t>2/4/21</a:t>
+              <a:t>10/10/21</a:t>
             </a:fld>
             <a:endParaRPr lang="en-US"/>
           </a:p>
@@ -995,7 +995,7 @@
           <a:p>
             <a:fld id="{BE5295ED-3BAF-1140-8495-3D368771D6B1}" type="datetimeFigureOut">
               <a:rPr lang="en-US" smtClean="0"/>
-              <a:t>2/4/21</a:t>
+              <a:t>10/10/21</a:t>
             </a:fld>
             <a:endParaRPr lang="en-US"/>
           </a:p>
@@ -1203,7 +1203,7 @@
           <a:p>
             <a:fld id="{BE5295ED-3BAF-1140-8495-3D368771D6B1}" type="datetimeFigureOut">
               <a:rPr lang="en-US" smtClean="0"/>
-              <a:t>2/4/21</a:t>
+              <a:t>10/10/21</a:t>
             </a:fld>
             <a:endParaRPr lang="en-US"/>
           </a:p>
@@ -1401,7 +1401,7 @@
           <a:p>
             <a:fld id="{BE5295ED-3BAF-1140-8495-3D368771D6B1}" type="datetimeFigureOut">
               <a:rPr lang="en-US" smtClean="0"/>
-              <a:t>2/4/21</a:t>
+              <a:t>10/10/21</a:t>
             </a:fld>
             <a:endParaRPr lang="en-US"/>
           </a:p>
@@ -1676,7 +1676,7 @@
           <a:p>
             <a:fld id="{BE5295ED-3BAF-1140-8495-3D368771D6B1}" type="datetimeFigureOut">
               <a:rPr lang="en-US" smtClean="0"/>
-              <a:t>2/4/21</a:t>
+              <a:t>10/10/21</a:t>
             </a:fld>
             <a:endParaRPr lang="en-US"/>
           </a:p>
@@ -1941,7 +1941,7 @@
           <a:p>
             <a:fld id="{BE5295ED-3BAF-1140-8495-3D368771D6B1}" type="datetimeFigureOut">
               <a:rPr lang="en-US" smtClean="0"/>
-              <a:t>2/4/21</a:t>
+              <a:t>10/10/21</a:t>
             </a:fld>
             <a:endParaRPr lang="en-US"/>
           </a:p>
@@ -2353,7 +2353,7 @@
           <a:p>
             <a:fld id="{BE5295ED-3BAF-1140-8495-3D368771D6B1}" type="datetimeFigureOut">
               <a:rPr lang="en-US" smtClean="0"/>
-              <a:t>2/4/21</a:t>
+              <a:t>10/10/21</a:t>
             </a:fld>
             <a:endParaRPr lang="en-US"/>
           </a:p>
@@ -2494,7 +2494,7 @@
           <a:p>
             <a:fld id="{BE5295ED-3BAF-1140-8495-3D368771D6B1}" type="datetimeFigureOut">
               <a:rPr lang="en-US" smtClean="0"/>
-              <a:t>2/4/21</a:t>
+              <a:t>10/10/21</a:t>
             </a:fld>
             <a:endParaRPr lang="en-US"/>
           </a:p>
@@ -2607,7 +2607,7 @@
           <a:p>
             <a:fld id="{BE5295ED-3BAF-1140-8495-3D368771D6B1}" type="datetimeFigureOut">
               <a:rPr lang="en-US" smtClean="0"/>
-              <a:t>2/4/21</a:t>
+              <a:t>10/10/21</a:t>
             </a:fld>
             <a:endParaRPr lang="en-US"/>
           </a:p>
@@ -2918,7 +2918,7 @@
           <a:p>
             <a:fld id="{BE5295ED-3BAF-1140-8495-3D368771D6B1}" type="datetimeFigureOut">
               <a:rPr lang="en-US" smtClean="0"/>
-              <a:t>2/4/21</a:t>
+              <a:t>10/10/21</a:t>
             </a:fld>
             <a:endParaRPr lang="en-US"/>
           </a:p>
@@ -3209,7 +3209,7 @@
           <a:p>
             <a:fld id="{BE5295ED-3BAF-1140-8495-3D368771D6B1}" type="datetimeFigureOut">
               <a:rPr lang="en-US" smtClean="0"/>
-              <a:t>2/4/21</a:t>
+              <a:t>10/10/21</a:t>
             </a:fld>
             <a:endParaRPr lang="en-US"/>
           </a:p>
@@ -3450,7 +3450,7 @@
           <a:p>
             <a:fld id="{BE5295ED-3BAF-1140-8495-3D368771D6B1}" type="datetimeFigureOut">
               <a:rPr lang="en-US" smtClean="0"/>
-              <a:t>2/4/21</a:t>
+              <a:t>10/10/21</a:t>
             </a:fld>
             <a:endParaRPr lang="en-US"/>
           </a:p>
@@ -4071,8 +4071,8 @@
           </a:p>
         </p:txBody>
       </p:sp>
-      <mc:AlternateContent xmlns:mc="http://schemas.openxmlformats.org/markup-compatibility/2006" xmlns:a14="http://schemas.microsoft.com/office/drawing/2010/main">
-        <mc:Choice Requires="a14">
+      <mc:AlternateContent xmlns:mc="http://schemas.openxmlformats.org/markup-compatibility/2006">
+        <mc:Choice xmlns:a14="http://schemas.microsoft.com/office/drawing/2010/main" Requires="a14">
           <p:sp>
             <p:nvSpPr>
               <p:cNvPr id="3" name="Content Placeholder 2">
@@ -4103,15 +4103,11 @@
               <a:p>
                 <a:r>
                   <a:rPr lang="en-US" dirty="0"/>
-                  <a:t>The term “variance” is confusing because it refers to the variation of models (and hence prediction errors) trained on multiple, similar data sets, but we normally only have one training set. So it’s weird to think about, unless you’re really into </a:t>
+                  <a:t>The term “variance” is confusing because it refers to the variation of models (and hence prediction errors) trained on multiple, similar data sets, but we normally only have one training set. So it’s weird to think about, unless you’re really </a:t>
                 </a:r>
                 <a:r>
-                  <a:rPr lang="en-US" dirty="0" err="1"/>
-                  <a:t>boostrapping</a:t>
-                </a:r>
-                <a:r>
-                  <a:rPr lang="en-US" dirty="0"/>
-                  <a:t> </a:t>
+                  <a:rPr lang="en-US"/>
+                  <a:t>into bootstrapping </a:t>
                 </a:r>
                 <a:r>
                   <a:rPr lang="mr-IN" dirty="0"/>
@@ -4157,7 +4153,7 @@
             </p:txBody>
           </p:sp>
         </mc:Choice>
-        <mc:Fallback xmlns="">
+        <mc:Fallback>
           <p:sp>
             <p:nvSpPr>
               <p:cNvPr id="3" name="Content Placeholder 2">
@@ -5763,8 +5759,8 @@
           </a:p>
         </p:txBody>
       </p:sp>
-      <mc:AlternateContent xmlns:mc="http://schemas.openxmlformats.org/markup-compatibility/2006" xmlns:a14="http://schemas.microsoft.com/office/drawing/2010/main">
-        <mc:Choice Requires="a14">
+      <mc:AlternateContent xmlns:mc="http://schemas.openxmlformats.org/markup-compatibility/2006">
+        <mc:Choice xmlns:a14="http://schemas.microsoft.com/office/drawing/2010/main" Requires="a14">
           <p:sp>
             <p:nvSpPr>
               <p:cNvPr id="3" name="Content Placeholder 2"/>
@@ -5867,7 +5863,21 @@
               <a:p>
                 <a:r>
                   <a:rPr lang="en-US" dirty="0"/>
-                  <a:t>No model can predict two different y values for same x vector</a:t>
+                  <a:t>No model can predict two different </a:t>
+                </a:r>
+                <a14:m>
+                  <m:oMath xmlns:m="http://schemas.openxmlformats.org/officeDocument/2006/math">
+                    <m:r>
+                      <a:rPr lang="en-US" i="1" dirty="0" smtClean="0">
+                        <a:latin typeface="Cambria Math" panose="02040503050406030204" pitchFamily="18" charset="0"/>
+                      </a:rPr>
+                      <m:t>𝑦</m:t>
+                    </m:r>
+                  </m:oMath>
+                </a14:m>
+                <a:r>
+                  <a:rPr lang="en-US" dirty="0"/>
+                  <a:t> values for same x vector</a:t>
                 </a:r>
               </a:p>
               <a:p>
@@ -5934,7 +5944,7 @@
             </p:txBody>
           </p:sp>
         </mc:Choice>
-        <mc:Fallback xmlns="">
+        <mc:Fallback>
           <p:sp>
             <p:nvSpPr>
               <p:cNvPr id="3" name="Content Placeholder 2"/>
@@ -7258,8 +7268,8 @@
           <a:chExt cx="0" cy="0"/>
         </a:xfrm>
       </p:grpSpPr>
-      <mc:AlternateContent xmlns:mc="http://schemas.openxmlformats.org/markup-compatibility/2006" xmlns:a14="http://schemas.microsoft.com/office/drawing/2010/main">
-        <mc:Choice Requires="a14">
+      <mc:AlternateContent xmlns:mc="http://schemas.openxmlformats.org/markup-compatibility/2006">
+        <mc:Choice xmlns:a14="http://schemas.microsoft.com/office/drawing/2010/main" Requires="a14">
           <p:sp>
             <p:nvSpPr>
               <p:cNvPr id="3" name="Content Placeholder 2"/>
@@ -7335,7 +7345,7 @@
               <a:p>
                 <a:r>
                   <a:rPr lang="en-US" dirty="0"/>
-                  <a:t>Getting the gist means capturing the nature of the underlying </a:t>
+                  <a:t>Getting the gist means capturing the nature of the true underlying </a:t>
                 </a:r>
                 <a:r>
                   <a:rPr lang="en-US" b="1" dirty="0"/>
@@ -7360,7 +7370,7 @@
             </p:txBody>
           </p:sp>
         </mc:Choice>
-        <mc:Fallback xmlns="">
+        <mc:Fallback>
           <p:sp>
             <p:nvSpPr>
               <p:cNvPr id="3" name="Content Placeholder 2"/>
